--- a/documents/発表準備/6月成果発表会.pptx
+++ b/documents/発表準備/6月成果発表会.pptx
@@ -7,10 +7,11 @@
   <p:sldIdLst>
     <p:sldId id="256" r:id="rId2"/>
     <p:sldId id="257" r:id="rId3"/>
-    <p:sldId id="261" r:id="rId4"/>
-    <p:sldId id="258" r:id="rId5"/>
-    <p:sldId id="259" r:id="rId6"/>
-    <p:sldId id="260" r:id="rId7"/>
+    <p:sldId id="262" r:id="rId4"/>
+    <p:sldId id="261" r:id="rId5"/>
+    <p:sldId id="258" r:id="rId6"/>
+    <p:sldId id="259" r:id="rId7"/>
+    <p:sldId id="260" r:id="rId8"/>
   </p:sldIdLst>
   <p:sldSz cx="12192000" cy="6858000"/>
   <p:notesSz cx="6858000" cy="9144000"/>
@@ -264,7 +265,7 @@
           <a:p>
             <a:fld id="{BD692E51-D57A-44E5-8303-979633E3E9F0}" type="datetimeFigureOut">
               <a:rPr kumimoji="1" lang="ja-JP" altLang="en-US" smtClean="0"/>
-              <a:t>2025/6/21</a:t>
+              <a:t>2025/6/22</a:t>
             </a:fld>
             <a:endParaRPr kumimoji="1" lang="ja-JP" altLang="en-US"/>
           </a:p>
@@ -494,7 +495,7 @@
           <a:p>
             <a:fld id="{BD692E51-D57A-44E5-8303-979633E3E9F0}" type="datetimeFigureOut">
               <a:rPr kumimoji="1" lang="ja-JP" altLang="en-US" smtClean="0"/>
-              <a:t>2025/6/21</a:t>
+              <a:t>2025/6/22</a:t>
             </a:fld>
             <a:endParaRPr kumimoji="1" lang="ja-JP" altLang="en-US"/>
           </a:p>
@@ -734,7 +735,7 @@
           <a:p>
             <a:fld id="{BD692E51-D57A-44E5-8303-979633E3E9F0}" type="datetimeFigureOut">
               <a:rPr kumimoji="1" lang="ja-JP" altLang="en-US" smtClean="0"/>
-              <a:t>2025/6/21</a:t>
+              <a:t>2025/6/22</a:t>
             </a:fld>
             <a:endParaRPr kumimoji="1" lang="ja-JP" altLang="en-US"/>
           </a:p>
@@ -964,7 +965,7 @@
           <a:p>
             <a:fld id="{BD692E51-D57A-44E5-8303-979633E3E9F0}" type="datetimeFigureOut">
               <a:rPr kumimoji="1" lang="ja-JP" altLang="en-US" smtClean="0"/>
-              <a:t>2025/6/21</a:t>
+              <a:t>2025/6/22</a:t>
             </a:fld>
             <a:endParaRPr kumimoji="1" lang="ja-JP" altLang="en-US"/>
           </a:p>
@@ -1239,7 +1240,7 @@
           <a:p>
             <a:fld id="{BD692E51-D57A-44E5-8303-979633E3E9F0}" type="datetimeFigureOut">
               <a:rPr kumimoji="1" lang="ja-JP" altLang="en-US" smtClean="0"/>
-              <a:t>2025/6/21</a:t>
+              <a:t>2025/6/22</a:t>
             </a:fld>
             <a:endParaRPr kumimoji="1" lang="ja-JP" altLang="en-US"/>
           </a:p>
@@ -1568,7 +1569,7 @@
           <a:p>
             <a:fld id="{BD692E51-D57A-44E5-8303-979633E3E9F0}" type="datetimeFigureOut">
               <a:rPr kumimoji="1" lang="ja-JP" altLang="en-US" smtClean="0"/>
-              <a:t>2025/6/21</a:t>
+              <a:t>2025/6/22</a:t>
             </a:fld>
             <a:endParaRPr kumimoji="1" lang="ja-JP" altLang="en-US"/>
           </a:p>
@@ -2044,7 +2045,7 @@
           <a:p>
             <a:fld id="{BD692E51-D57A-44E5-8303-979633E3E9F0}" type="datetimeFigureOut">
               <a:rPr kumimoji="1" lang="ja-JP" altLang="en-US" smtClean="0"/>
-              <a:t>2025/6/21</a:t>
+              <a:t>2025/6/22</a:t>
             </a:fld>
             <a:endParaRPr kumimoji="1" lang="ja-JP" altLang="en-US"/>
           </a:p>
@@ -2185,7 +2186,7 @@
           <a:p>
             <a:fld id="{BD692E51-D57A-44E5-8303-979633E3E9F0}" type="datetimeFigureOut">
               <a:rPr kumimoji="1" lang="ja-JP" altLang="en-US" smtClean="0"/>
-              <a:t>2025/6/21</a:t>
+              <a:t>2025/6/22</a:t>
             </a:fld>
             <a:endParaRPr kumimoji="1" lang="ja-JP" altLang="en-US"/>
           </a:p>
@@ -2298,7 +2299,7 @@
           <a:p>
             <a:fld id="{BD692E51-D57A-44E5-8303-979633E3E9F0}" type="datetimeFigureOut">
               <a:rPr kumimoji="1" lang="ja-JP" altLang="en-US" smtClean="0"/>
-              <a:t>2025/6/21</a:t>
+              <a:t>2025/6/22</a:t>
             </a:fld>
             <a:endParaRPr kumimoji="1" lang="ja-JP" altLang="en-US"/>
           </a:p>
@@ -2641,7 +2642,7 @@
           <a:p>
             <a:fld id="{BD692E51-D57A-44E5-8303-979633E3E9F0}" type="datetimeFigureOut">
               <a:rPr kumimoji="1" lang="ja-JP" altLang="en-US" smtClean="0"/>
-              <a:t>2025/6/21</a:t>
+              <a:t>2025/6/22</a:t>
             </a:fld>
             <a:endParaRPr kumimoji="1" lang="ja-JP" altLang="en-US"/>
           </a:p>
@@ -2929,7 +2930,7 @@
           <a:p>
             <a:fld id="{BD692E51-D57A-44E5-8303-979633E3E9F0}" type="datetimeFigureOut">
               <a:rPr kumimoji="1" lang="ja-JP" altLang="en-US" smtClean="0"/>
-              <a:t>2025/6/21</a:t>
+              <a:t>2025/6/22</a:t>
             </a:fld>
             <a:endParaRPr kumimoji="1" lang="ja-JP" altLang="en-US"/>
           </a:p>
@@ -3202,7 +3203,7 @@
           <a:p>
             <a:fld id="{BD692E51-D57A-44E5-8303-979633E3E9F0}" type="datetimeFigureOut">
               <a:rPr kumimoji="1" lang="ja-JP" altLang="en-US" smtClean="0"/>
-              <a:t>2025/6/21</a:t>
+              <a:t>2025/6/22</a:t>
             </a:fld>
             <a:endParaRPr kumimoji="1" lang="ja-JP" altLang="en-US"/>
           </a:p>
@@ -4119,7 +4120,13 @@
   <p:cSld>
     <p:spTree>
       <p:nvGrpSpPr>
-        <p:cNvPr id="1" name=""/>
+        <p:cNvPr id="1" name="">
+          <a:extLst>
+            <a:ext uri="{FF2B5EF4-FFF2-40B4-BE49-F238E27FC236}">
+              <a16:creationId xmlns:a16="http://schemas.microsoft.com/office/drawing/2014/main" id="{5F925C71-3BDE-A590-5B6F-688BE24C12DC}"/>
+            </a:ext>
+          </a:extLst>
+        </p:cNvPr>
         <p:cNvGrpSpPr/>
         <p:nvPr/>
       </p:nvGrpSpPr>
@@ -4136,7 +4143,7 @@
           <p:cNvPr id="2" name="タイトル 1">
             <a:extLst>
               <a:ext uri="{FF2B5EF4-FFF2-40B4-BE49-F238E27FC236}">
-                <a16:creationId xmlns:a16="http://schemas.microsoft.com/office/drawing/2014/main" id="{CD8B4316-450C-2EC5-0A0D-11F30696400E}"/>
+                <a16:creationId xmlns:a16="http://schemas.microsoft.com/office/drawing/2014/main" id="{D65E089C-9625-D265-B4CB-4CCAA962DDB5}"/>
               </a:ext>
             </a:extLst>
           </p:cNvPr>
@@ -4149,8 +4156,8 @@
         </p:nvSpPr>
         <p:spPr>
           <a:xfrm>
-            <a:off x="838200" y="492369"/>
-            <a:ext cx="2335823" cy="925757"/>
+            <a:off x="838200" y="518746"/>
+            <a:ext cx="1298331" cy="899380"/>
           </a:xfrm>
         </p:spPr>
         <p:txBody>
@@ -4160,12 +4167,16 @@
           <a:lstStyle/>
           <a:p>
             <a:r>
-              <a:rPr kumimoji="1" lang="ja-JP" altLang="en-US" sz="4000" b="1" dirty="0">
+              <a:rPr lang="ja-JP" altLang="en-US" sz="4000" b="1" dirty="0">
                 <a:latin typeface="BIZ UDPゴシック" panose="020B0400000000000000" pitchFamily="50" charset="-128"/>
                 <a:ea typeface="BIZ UDPゴシック" panose="020B0400000000000000" pitchFamily="50" charset="-128"/>
               </a:rPr>
-              <a:t>開発過程</a:t>
-            </a:r>
+              <a:t>背景</a:t>
+            </a:r>
+            <a:endParaRPr kumimoji="1" lang="ja-JP" altLang="en-US" sz="4000" b="1" dirty="0">
+              <a:latin typeface="BIZ UDPゴシック" panose="020B0400000000000000" pitchFamily="50" charset="-128"/>
+              <a:ea typeface="BIZ UDPゴシック" panose="020B0400000000000000" pitchFamily="50" charset="-128"/>
+            </a:endParaRPr>
           </a:p>
         </p:txBody>
       </p:sp>
@@ -4174,7 +4185,7 @@
           <p:cNvPr id="3" name="コンテンツ プレースホルダー 2">
             <a:extLst>
               <a:ext uri="{FF2B5EF4-FFF2-40B4-BE49-F238E27FC236}">
-                <a16:creationId xmlns:a16="http://schemas.microsoft.com/office/drawing/2014/main" id="{1F5D2219-B629-1822-C708-D30529FC114F}"/>
+                <a16:creationId xmlns:a16="http://schemas.microsoft.com/office/drawing/2014/main" id="{5F852391-8781-3BB4-3291-8082F93EEB81}"/>
               </a:ext>
             </a:extLst>
           </p:cNvPr>
@@ -4197,7 +4208,7 @@
     </p:spTree>
     <p:extLst>
       <p:ext uri="{BB962C8B-B14F-4D97-AF65-F5344CB8AC3E}">
-        <p14:creationId xmlns:p14="http://schemas.microsoft.com/office/powerpoint/2010/main" val="2889826263"/>
+        <p14:creationId xmlns:p14="http://schemas.microsoft.com/office/powerpoint/2010/main" val="2330379334"/>
       </p:ext>
     </p:extLst>
   </p:cSld>
@@ -4229,7 +4240,7 @@
           <p:cNvPr id="2" name="タイトル 1">
             <a:extLst>
               <a:ext uri="{FF2B5EF4-FFF2-40B4-BE49-F238E27FC236}">
-                <a16:creationId xmlns:a16="http://schemas.microsoft.com/office/drawing/2014/main" id="{333BB1FF-C340-6956-8FAB-7821464A915E}"/>
+                <a16:creationId xmlns:a16="http://schemas.microsoft.com/office/drawing/2014/main" id="{CD8B4316-450C-2EC5-0A0D-11F30696400E}"/>
               </a:ext>
             </a:extLst>
           </p:cNvPr>
@@ -4242,8 +4253,8 @@
         </p:nvSpPr>
         <p:spPr>
           <a:xfrm>
-            <a:off x="838200" y="342899"/>
-            <a:ext cx="3162300" cy="1189527"/>
+            <a:off x="838200" y="492369"/>
+            <a:ext cx="2335823" cy="925757"/>
           </a:xfrm>
         </p:spPr>
         <p:txBody>
@@ -4257,7 +4268,7 @@
                 <a:latin typeface="BIZ UDPゴシック" panose="020B0400000000000000" pitchFamily="50" charset="-128"/>
                 <a:ea typeface="BIZ UDPゴシック" panose="020B0400000000000000" pitchFamily="50" charset="-128"/>
               </a:rPr>
-              <a:t>工夫した点</a:t>
+              <a:t>開発過程</a:t>
             </a:r>
           </a:p>
         </p:txBody>
@@ -4267,7 +4278,7 @@
           <p:cNvPr id="3" name="コンテンツ プレースホルダー 2">
             <a:extLst>
               <a:ext uri="{FF2B5EF4-FFF2-40B4-BE49-F238E27FC236}">
-                <a16:creationId xmlns:a16="http://schemas.microsoft.com/office/drawing/2014/main" id="{C017A5C6-CE0B-524F-E158-817E727B374B}"/>
+                <a16:creationId xmlns:a16="http://schemas.microsoft.com/office/drawing/2014/main" id="{1F5D2219-B629-1822-C708-D30529FC114F}"/>
               </a:ext>
             </a:extLst>
           </p:cNvPr>
@@ -4290,7 +4301,7 @@
     </p:spTree>
     <p:extLst>
       <p:ext uri="{BB962C8B-B14F-4D97-AF65-F5344CB8AC3E}">
-        <p14:creationId xmlns:p14="http://schemas.microsoft.com/office/powerpoint/2010/main" val="1502674743"/>
+        <p14:creationId xmlns:p14="http://schemas.microsoft.com/office/powerpoint/2010/main" val="2889826263"/>
       </p:ext>
     </p:extLst>
   </p:cSld>
@@ -4322,7 +4333,7 @@
           <p:cNvPr id="2" name="タイトル 1">
             <a:extLst>
               <a:ext uri="{FF2B5EF4-FFF2-40B4-BE49-F238E27FC236}">
-                <a16:creationId xmlns:a16="http://schemas.microsoft.com/office/drawing/2014/main" id="{C0FCC78D-9A7E-850E-8965-EDF8DF10EC45}"/>
+                <a16:creationId xmlns:a16="http://schemas.microsoft.com/office/drawing/2014/main" id="{333BB1FF-C340-6956-8FAB-7821464A915E}"/>
               </a:ext>
             </a:extLst>
           </p:cNvPr>
@@ -4335,8 +4346,8 @@
         </p:nvSpPr>
         <p:spPr>
           <a:xfrm>
-            <a:off x="838200" y="351693"/>
-            <a:ext cx="3030415" cy="1154357"/>
+            <a:off x="838200" y="342899"/>
+            <a:ext cx="3162300" cy="1189527"/>
           </a:xfrm>
         </p:spPr>
         <p:txBody>
@@ -4350,7 +4361,7 @@
                 <a:latin typeface="BIZ UDPゴシック" panose="020B0400000000000000" pitchFamily="50" charset="-128"/>
                 <a:ea typeface="BIZ UDPゴシック" panose="020B0400000000000000" pitchFamily="50" charset="-128"/>
               </a:rPr>
-              <a:t>苦労した点</a:t>
+              <a:t>工夫した点</a:t>
             </a:r>
           </a:p>
         </p:txBody>
@@ -4360,7 +4371,7 @@
           <p:cNvPr id="3" name="コンテンツ プレースホルダー 2">
             <a:extLst>
               <a:ext uri="{FF2B5EF4-FFF2-40B4-BE49-F238E27FC236}">
-                <a16:creationId xmlns:a16="http://schemas.microsoft.com/office/drawing/2014/main" id="{9A9838D1-E30A-3ED4-6B32-8BD0264B8F3B}"/>
+                <a16:creationId xmlns:a16="http://schemas.microsoft.com/office/drawing/2014/main" id="{C017A5C6-CE0B-524F-E158-817E727B374B}"/>
               </a:ext>
             </a:extLst>
           </p:cNvPr>
@@ -4383,7 +4394,7 @@
     </p:spTree>
     <p:extLst>
       <p:ext uri="{BB962C8B-B14F-4D97-AF65-F5344CB8AC3E}">
-        <p14:creationId xmlns:p14="http://schemas.microsoft.com/office/powerpoint/2010/main" val="3514038847"/>
+        <p14:creationId xmlns:p14="http://schemas.microsoft.com/office/powerpoint/2010/main" val="1502674743"/>
       </p:ext>
     </p:extLst>
   </p:cSld>
@@ -4415,7 +4426,7 @@
           <p:cNvPr id="2" name="タイトル 1">
             <a:extLst>
               <a:ext uri="{FF2B5EF4-FFF2-40B4-BE49-F238E27FC236}">
-                <a16:creationId xmlns:a16="http://schemas.microsoft.com/office/drawing/2014/main" id="{67104663-54FE-FA1B-2F78-8557386364E6}"/>
+                <a16:creationId xmlns:a16="http://schemas.microsoft.com/office/drawing/2014/main" id="{C0FCC78D-9A7E-850E-8965-EDF8DF10EC45}"/>
               </a:ext>
             </a:extLst>
           </p:cNvPr>
@@ -4428,7 +4439,100 @@
         </p:nvSpPr>
         <p:spPr>
           <a:xfrm>
-            <a:off x="3458307" y="2611316"/>
+            <a:off x="838200" y="351693"/>
+            <a:ext cx="3030415" cy="1154357"/>
+          </a:xfrm>
+        </p:spPr>
+        <p:txBody>
+          <a:bodyPr>
+            <a:normAutofit/>
+          </a:bodyPr>
+          <a:lstStyle/>
+          <a:p>
+            <a:r>
+              <a:rPr kumimoji="1" lang="ja-JP" altLang="en-US" sz="4000" b="1" dirty="0">
+                <a:latin typeface="BIZ UDPゴシック" panose="020B0400000000000000" pitchFamily="50" charset="-128"/>
+                <a:ea typeface="BIZ UDPゴシック" panose="020B0400000000000000" pitchFamily="50" charset="-128"/>
+              </a:rPr>
+              <a:t>苦労した点</a:t>
+            </a:r>
+          </a:p>
+        </p:txBody>
+      </p:sp>
+      <p:sp>
+        <p:nvSpPr>
+          <p:cNvPr id="3" name="コンテンツ プレースホルダー 2">
+            <a:extLst>
+              <a:ext uri="{FF2B5EF4-FFF2-40B4-BE49-F238E27FC236}">
+                <a16:creationId xmlns:a16="http://schemas.microsoft.com/office/drawing/2014/main" id="{9A9838D1-E30A-3ED4-6B32-8BD0264B8F3B}"/>
+              </a:ext>
+            </a:extLst>
+          </p:cNvPr>
+          <p:cNvSpPr>
+            <a:spLocks noGrp="1"/>
+          </p:cNvSpPr>
+          <p:nvPr>
+            <p:ph idx="1"/>
+          </p:nvPr>
+        </p:nvSpPr>
+        <p:spPr/>
+        <p:txBody>
+          <a:bodyPr/>
+          <a:lstStyle/>
+          <a:p>
+            <a:endParaRPr kumimoji="1" lang="ja-JP" altLang="en-US"/>
+          </a:p>
+        </p:txBody>
+      </p:sp>
+    </p:spTree>
+    <p:extLst>
+      <p:ext uri="{BB962C8B-B14F-4D97-AF65-F5344CB8AC3E}">
+        <p14:creationId xmlns:p14="http://schemas.microsoft.com/office/powerpoint/2010/main" val="3514038847"/>
+      </p:ext>
+    </p:extLst>
+  </p:cSld>
+  <p:clrMapOvr>
+    <a:masterClrMapping/>
+  </p:clrMapOvr>
+</p:sld>
+</file>
+
+<file path=ppt/slides/slide7.xml><?xml version="1.0" encoding="utf-8"?>
+<p:sld xmlns:a="http://schemas.openxmlformats.org/drawingml/2006/main" xmlns:r="http://schemas.openxmlformats.org/officeDocument/2006/relationships" xmlns:p="http://schemas.openxmlformats.org/presentationml/2006/main">
+  <p:cSld>
+    <p:spTree>
+      <p:nvGrpSpPr>
+        <p:cNvPr id="1" name=""/>
+        <p:cNvGrpSpPr/>
+        <p:nvPr/>
+      </p:nvGrpSpPr>
+      <p:grpSpPr>
+        <a:xfrm>
+          <a:off x="0" y="0"/>
+          <a:ext cx="0" cy="0"/>
+          <a:chOff x="0" y="0"/>
+          <a:chExt cx="0" cy="0"/>
+        </a:xfrm>
+      </p:grpSpPr>
+      <p:sp>
+        <p:nvSpPr>
+          <p:cNvPr id="2" name="タイトル 1">
+            <a:extLst>
+              <a:ext uri="{FF2B5EF4-FFF2-40B4-BE49-F238E27FC236}">
+                <a16:creationId xmlns:a16="http://schemas.microsoft.com/office/drawing/2014/main" id="{67104663-54FE-FA1B-2F78-8557386364E6}"/>
+              </a:ext>
+            </a:extLst>
+          </p:cNvPr>
+          <p:cNvSpPr>
+            <a:spLocks noGrp="1"/>
+          </p:cNvSpPr>
+          <p:nvPr>
+            <p:ph type="title"/>
+          </p:nvPr>
+        </p:nvSpPr>
+        <p:spPr>
+          <a:xfrm>
+            <a:off x="3174023" y="2347547"/>
             <a:ext cx="5843954" cy="1145565"/>
           </a:xfrm>
         </p:spPr>

--- a/documents/発表準備/6月成果発表会.pptx
+++ b/documents/発表準備/6月成果発表会.pptx
@@ -4,14 +4,18 @@
   <p:sldMasterIdLst>
     <p:sldMasterId id="2147483648" r:id="rId1"/>
   </p:sldMasterIdLst>
+  <p:notesMasterIdLst>
+    <p:notesMasterId r:id="rId10"/>
+  </p:notesMasterIdLst>
   <p:sldIdLst>
     <p:sldId id="256" r:id="rId2"/>
     <p:sldId id="257" r:id="rId3"/>
-    <p:sldId id="262" r:id="rId4"/>
-    <p:sldId id="261" r:id="rId5"/>
-    <p:sldId id="258" r:id="rId6"/>
-    <p:sldId id="259" r:id="rId7"/>
-    <p:sldId id="260" r:id="rId8"/>
+    <p:sldId id="261" r:id="rId4"/>
+    <p:sldId id="262" r:id="rId5"/>
+    <p:sldId id="263" r:id="rId6"/>
+    <p:sldId id="264" r:id="rId7"/>
+    <p:sldId id="265" r:id="rId8"/>
+    <p:sldId id="260" r:id="rId9"/>
   </p:sldIdLst>
   <p:sldSz cx="12192000" cy="6858000"/>
   <p:notesSz cx="6858000" cy="9144000"/>
@@ -118,6 +122,555 @@
 </p:presentation>
 </file>
 
+<file path=ppt/notesMasters/notesMaster1.xml><?xml version="1.0" encoding="utf-8"?>
+<p:notesMaster xmlns:a="http://schemas.openxmlformats.org/drawingml/2006/main" xmlns:r="http://schemas.openxmlformats.org/officeDocument/2006/relationships" xmlns:p="http://schemas.openxmlformats.org/presentationml/2006/main">
+  <p:cSld>
+    <p:bg>
+      <p:bgRef idx="1001">
+        <a:schemeClr val="bg1"/>
+      </p:bgRef>
+    </p:bg>
+    <p:spTree>
+      <p:nvGrpSpPr>
+        <p:cNvPr id="1" name=""/>
+        <p:cNvGrpSpPr/>
+        <p:nvPr/>
+      </p:nvGrpSpPr>
+      <p:grpSpPr>
+        <a:xfrm>
+          <a:off x="0" y="0"/>
+          <a:ext cx="0" cy="0"/>
+          <a:chOff x="0" y="0"/>
+          <a:chExt cx="0" cy="0"/>
+        </a:xfrm>
+      </p:grpSpPr>
+      <p:sp>
+        <p:nvSpPr>
+          <p:cNvPr id="2" name="ヘッダー プレースホルダー 1"/>
+          <p:cNvSpPr>
+            <a:spLocks noGrp="1"/>
+          </p:cNvSpPr>
+          <p:nvPr>
+            <p:ph type="hdr" sz="quarter"/>
+          </p:nvPr>
+        </p:nvSpPr>
+        <p:spPr>
+          <a:xfrm>
+            <a:off x="0" y="0"/>
+            <a:ext cx="2971800" cy="458788"/>
+          </a:xfrm>
+          <a:prstGeom prst="rect">
+            <a:avLst/>
+          </a:prstGeom>
+        </p:spPr>
+        <p:txBody>
+          <a:bodyPr vert="horz" lIns="91440" tIns="45720" rIns="91440" bIns="45720" rtlCol="0"/>
+          <a:lstStyle>
+            <a:lvl1pPr algn="l">
+              <a:defRPr sz="1200"/>
+            </a:lvl1pPr>
+          </a:lstStyle>
+          <a:p>
+            <a:endParaRPr kumimoji="1" lang="ja-JP" altLang="en-US"/>
+          </a:p>
+        </p:txBody>
+      </p:sp>
+      <p:sp>
+        <p:nvSpPr>
+          <p:cNvPr id="3" name="日付プレースホルダー 2"/>
+          <p:cNvSpPr>
+            <a:spLocks noGrp="1"/>
+          </p:cNvSpPr>
+          <p:nvPr>
+            <p:ph type="dt" idx="1"/>
+          </p:nvPr>
+        </p:nvSpPr>
+        <p:spPr>
+          <a:xfrm>
+            <a:off x="3884613" y="0"/>
+            <a:ext cx="2971800" cy="458788"/>
+          </a:xfrm>
+          <a:prstGeom prst="rect">
+            <a:avLst/>
+          </a:prstGeom>
+        </p:spPr>
+        <p:txBody>
+          <a:bodyPr vert="horz" lIns="91440" tIns="45720" rIns="91440" bIns="45720" rtlCol="0"/>
+          <a:lstStyle>
+            <a:lvl1pPr algn="r">
+              <a:defRPr sz="1200"/>
+            </a:lvl1pPr>
+          </a:lstStyle>
+          <a:p>
+            <a:fld id="{5825E126-D563-4740-8CC0-5FF06CCB9B57}" type="datetimeFigureOut">
+              <a:rPr kumimoji="1" lang="ja-JP" altLang="en-US" smtClean="0"/>
+              <a:t>2025/6/24</a:t>
+            </a:fld>
+            <a:endParaRPr kumimoji="1" lang="ja-JP" altLang="en-US"/>
+          </a:p>
+        </p:txBody>
+      </p:sp>
+      <p:sp>
+        <p:nvSpPr>
+          <p:cNvPr id="4" name="スライド イメージ プレースホルダー 3"/>
+          <p:cNvSpPr>
+            <a:spLocks noGrp="1" noRot="1" noChangeAspect="1"/>
+          </p:cNvSpPr>
+          <p:nvPr>
+            <p:ph type="sldImg" idx="2"/>
+          </p:nvPr>
+        </p:nvSpPr>
+        <p:spPr>
+          <a:xfrm>
+            <a:off x="685800" y="1143000"/>
+            <a:ext cx="5486400" cy="3086100"/>
+          </a:xfrm>
+          <a:prstGeom prst="rect">
+            <a:avLst/>
+          </a:prstGeom>
+          <a:noFill/>
+          <a:ln w="12700">
+            <a:solidFill>
+              <a:prstClr val="black"/>
+            </a:solidFill>
+          </a:ln>
+        </p:spPr>
+        <p:txBody>
+          <a:bodyPr vert="horz" lIns="91440" tIns="45720" rIns="91440" bIns="45720" rtlCol="0" anchor="ctr"/>
+          <a:lstStyle/>
+          <a:p>
+            <a:endParaRPr lang="ja-JP" altLang="en-US"/>
+          </a:p>
+        </p:txBody>
+      </p:sp>
+      <p:sp>
+        <p:nvSpPr>
+          <p:cNvPr id="5" name="ノート プレースホルダー 4"/>
+          <p:cNvSpPr>
+            <a:spLocks noGrp="1"/>
+          </p:cNvSpPr>
+          <p:nvPr>
+            <p:ph type="body" sz="quarter" idx="3"/>
+          </p:nvPr>
+        </p:nvSpPr>
+        <p:spPr>
+          <a:xfrm>
+            <a:off x="685800" y="4400550"/>
+            <a:ext cx="5486400" cy="3600450"/>
+          </a:xfrm>
+          <a:prstGeom prst="rect">
+            <a:avLst/>
+          </a:prstGeom>
+        </p:spPr>
+        <p:txBody>
+          <a:bodyPr vert="horz" lIns="91440" tIns="45720" rIns="91440" bIns="45720" rtlCol="0"/>
+          <a:lstStyle/>
+          <a:p>
+            <a:pPr lvl="0"/>
+            <a:r>
+              <a:rPr kumimoji="1" lang="ja-JP" altLang="en-US"/>
+              <a:t>マスター テキストの書式設定</a:t>
+            </a:r>
+          </a:p>
+          <a:p>
+            <a:pPr lvl="1"/>
+            <a:r>
+              <a:rPr kumimoji="1" lang="ja-JP" altLang="en-US"/>
+              <a:t>第 </a:t>
+            </a:r>
+            <a:r>
+              <a:rPr kumimoji="1" lang="en-US" altLang="ja-JP"/>
+              <a:t>2 </a:t>
+            </a:r>
+            <a:r>
+              <a:rPr kumimoji="1" lang="ja-JP" altLang="en-US"/>
+              <a:t>レベル</a:t>
+            </a:r>
+          </a:p>
+          <a:p>
+            <a:pPr lvl="2"/>
+            <a:r>
+              <a:rPr kumimoji="1" lang="ja-JP" altLang="en-US"/>
+              <a:t>第 </a:t>
+            </a:r>
+            <a:r>
+              <a:rPr kumimoji="1" lang="en-US" altLang="ja-JP"/>
+              <a:t>3 </a:t>
+            </a:r>
+            <a:r>
+              <a:rPr kumimoji="1" lang="ja-JP" altLang="en-US"/>
+              <a:t>レベル</a:t>
+            </a:r>
+          </a:p>
+          <a:p>
+            <a:pPr lvl="3"/>
+            <a:r>
+              <a:rPr kumimoji="1" lang="ja-JP" altLang="en-US"/>
+              <a:t>第 </a:t>
+            </a:r>
+            <a:r>
+              <a:rPr kumimoji="1" lang="en-US" altLang="ja-JP"/>
+              <a:t>4 </a:t>
+            </a:r>
+            <a:r>
+              <a:rPr kumimoji="1" lang="ja-JP" altLang="en-US"/>
+              <a:t>レベル</a:t>
+            </a:r>
+          </a:p>
+          <a:p>
+            <a:pPr lvl="4"/>
+            <a:r>
+              <a:rPr kumimoji="1" lang="ja-JP" altLang="en-US"/>
+              <a:t>第 </a:t>
+            </a:r>
+            <a:r>
+              <a:rPr kumimoji="1" lang="en-US" altLang="ja-JP"/>
+              <a:t>5 </a:t>
+            </a:r>
+            <a:r>
+              <a:rPr kumimoji="1" lang="ja-JP" altLang="en-US"/>
+              <a:t>レベル</a:t>
+            </a:r>
+          </a:p>
+        </p:txBody>
+      </p:sp>
+      <p:sp>
+        <p:nvSpPr>
+          <p:cNvPr id="6" name="フッター プレースホルダー 5"/>
+          <p:cNvSpPr>
+            <a:spLocks noGrp="1"/>
+          </p:cNvSpPr>
+          <p:nvPr>
+            <p:ph type="ftr" sz="quarter" idx="4"/>
+          </p:nvPr>
+        </p:nvSpPr>
+        <p:spPr>
+          <a:xfrm>
+            <a:off x="0" y="8685213"/>
+            <a:ext cx="2971800" cy="458787"/>
+          </a:xfrm>
+          <a:prstGeom prst="rect">
+            <a:avLst/>
+          </a:prstGeom>
+        </p:spPr>
+        <p:txBody>
+          <a:bodyPr vert="horz" lIns="91440" tIns="45720" rIns="91440" bIns="45720" rtlCol="0" anchor="b"/>
+          <a:lstStyle>
+            <a:lvl1pPr algn="l">
+              <a:defRPr sz="1200"/>
+            </a:lvl1pPr>
+          </a:lstStyle>
+          <a:p>
+            <a:endParaRPr kumimoji="1" lang="ja-JP" altLang="en-US"/>
+          </a:p>
+        </p:txBody>
+      </p:sp>
+      <p:sp>
+        <p:nvSpPr>
+          <p:cNvPr id="7" name="スライド番号プレースホルダー 6"/>
+          <p:cNvSpPr>
+            <a:spLocks noGrp="1"/>
+          </p:cNvSpPr>
+          <p:nvPr>
+            <p:ph type="sldNum" sz="quarter" idx="5"/>
+          </p:nvPr>
+        </p:nvSpPr>
+        <p:spPr>
+          <a:xfrm>
+            <a:off x="3884613" y="8685213"/>
+            <a:ext cx="2971800" cy="458787"/>
+          </a:xfrm>
+          <a:prstGeom prst="rect">
+            <a:avLst/>
+          </a:prstGeom>
+        </p:spPr>
+        <p:txBody>
+          <a:bodyPr vert="horz" lIns="91440" tIns="45720" rIns="91440" bIns="45720" rtlCol="0" anchor="b"/>
+          <a:lstStyle>
+            <a:lvl1pPr algn="r">
+              <a:defRPr sz="1200"/>
+            </a:lvl1pPr>
+          </a:lstStyle>
+          <a:p>
+            <a:fld id="{9704D330-D9B3-423A-A69B-A9D43E21FFBD}" type="slidenum">
+              <a:rPr kumimoji="1" lang="ja-JP" altLang="en-US" smtClean="0"/>
+              <a:t>‹#›</a:t>
+            </a:fld>
+            <a:endParaRPr kumimoji="1" lang="ja-JP" altLang="en-US"/>
+          </a:p>
+        </p:txBody>
+      </p:sp>
+    </p:spTree>
+    <p:extLst>
+      <p:ext uri="{BB962C8B-B14F-4D97-AF65-F5344CB8AC3E}">
+        <p14:creationId xmlns:p14="http://schemas.microsoft.com/office/powerpoint/2010/main" val="2906588702"/>
+      </p:ext>
+    </p:extLst>
+  </p:cSld>
+  <p:clrMap bg1="lt1" tx1="dk1" bg2="lt2" tx2="dk2" accent1="accent1" accent2="accent2" accent3="accent3" accent4="accent4" accent5="accent5" accent6="accent6" hlink="hlink" folHlink="folHlink"/>
+  <p:notesStyle>
+    <a:lvl1pPr marL="0" algn="l" defTabSz="914400" rtl="0" eaLnBrk="1" latinLnBrk="0" hangingPunct="1">
+      <a:defRPr kumimoji="1" sz="1200" kern="1200">
+        <a:solidFill>
+          <a:schemeClr val="tx1"/>
+        </a:solidFill>
+        <a:latin typeface="+mn-lt"/>
+        <a:ea typeface="+mn-ea"/>
+        <a:cs typeface="+mn-cs"/>
+      </a:defRPr>
+    </a:lvl1pPr>
+    <a:lvl2pPr marL="457200" algn="l" defTabSz="914400" rtl="0" eaLnBrk="1" latinLnBrk="0" hangingPunct="1">
+      <a:defRPr kumimoji="1" sz="1200" kern="1200">
+        <a:solidFill>
+          <a:schemeClr val="tx1"/>
+        </a:solidFill>
+        <a:latin typeface="+mn-lt"/>
+        <a:ea typeface="+mn-ea"/>
+        <a:cs typeface="+mn-cs"/>
+      </a:defRPr>
+    </a:lvl2pPr>
+    <a:lvl3pPr marL="914400" algn="l" defTabSz="914400" rtl="0" eaLnBrk="1" latinLnBrk="0" hangingPunct="1">
+      <a:defRPr kumimoji="1" sz="1200" kern="1200">
+        <a:solidFill>
+          <a:schemeClr val="tx1"/>
+        </a:solidFill>
+        <a:latin typeface="+mn-lt"/>
+        <a:ea typeface="+mn-ea"/>
+        <a:cs typeface="+mn-cs"/>
+      </a:defRPr>
+    </a:lvl3pPr>
+    <a:lvl4pPr marL="1371600" algn="l" defTabSz="914400" rtl="0" eaLnBrk="1" latinLnBrk="0" hangingPunct="1">
+      <a:defRPr kumimoji="1" sz="1200" kern="1200">
+        <a:solidFill>
+          <a:schemeClr val="tx1"/>
+        </a:solidFill>
+        <a:latin typeface="+mn-lt"/>
+        <a:ea typeface="+mn-ea"/>
+        <a:cs typeface="+mn-cs"/>
+      </a:defRPr>
+    </a:lvl4pPr>
+    <a:lvl5pPr marL="1828800" algn="l" defTabSz="914400" rtl="0" eaLnBrk="1" latinLnBrk="0" hangingPunct="1">
+      <a:defRPr kumimoji="1" sz="1200" kern="1200">
+        <a:solidFill>
+          <a:schemeClr val="tx1"/>
+        </a:solidFill>
+        <a:latin typeface="+mn-lt"/>
+        <a:ea typeface="+mn-ea"/>
+        <a:cs typeface="+mn-cs"/>
+      </a:defRPr>
+    </a:lvl5pPr>
+    <a:lvl6pPr marL="2286000" algn="l" defTabSz="914400" rtl="0" eaLnBrk="1" latinLnBrk="0" hangingPunct="1">
+      <a:defRPr kumimoji="1" sz="1200" kern="1200">
+        <a:solidFill>
+          <a:schemeClr val="tx1"/>
+        </a:solidFill>
+        <a:latin typeface="+mn-lt"/>
+        <a:ea typeface="+mn-ea"/>
+        <a:cs typeface="+mn-cs"/>
+      </a:defRPr>
+    </a:lvl6pPr>
+    <a:lvl7pPr marL="2743200" algn="l" defTabSz="914400" rtl="0" eaLnBrk="1" latinLnBrk="0" hangingPunct="1">
+      <a:defRPr kumimoji="1" sz="1200" kern="1200">
+        <a:solidFill>
+          <a:schemeClr val="tx1"/>
+        </a:solidFill>
+        <a:latin typeface="+mn-lt"/>
+        <a:ea typeface="+mn-ea"/>
+        <a:cs typeface="+mn-cs"/>
+      </a:defRPr>
+    </a:lvl7pPr>
+    <a:lvl8pPr marL="3200400" algn="l" defTabSz="914400" rtl="0" eaLnBrk="1" latinLnBrk="0" hangingPunct="1">
+      <a:defRPr kumimoji="1" sz="1200" kern="1200">
+        <a:solidFill>
+          <a:schemeClr val="tx1"/>
+        </a:solidFill>
+        <a:latin typeface="+mn-lt"/>
+        <a:ea typeface="+mn-ea"/>
+        <a:cs typeface="+mn-cs"/>
+      </a:defRPr>
+    </a:lvl8pPr>
+    <a:lvl9pPr marL="3657600" algn="l" defTabSz="914400" rtl="0" eaLnBrk="1" latinLnBrk="0" hangingPunct="1">
+      <a:defRPr kumimoji="1" sz="1200" kern="1200">
+        <a:solidFill>
+          <a:schemeClr val="tx1"/>
+        </a:solidFill>
+        <a:latin typeface="+mn-lt"/>
+        <a:ea typeface="+mn-ea"/>
+        <a:cs typeface="+mn-cs"/>
+      </a:defRPr>
+    </a:lvl9pPr>
+  </p:notesStyle>
+</p:notesMaster>
+</file>
+
+<file path=ppt/notesSlides/notesSlide1.xml><?xml version="1.0" encoding="utf-8"?>
+<p:notes xmlns:a="http://schemas.openxmlformats.org/drawingml/2006/main" xmlns:r="http://schemas.openxmlformats.org/officeDocument/2006/relationships" xmlns:p="http://schemas.openxmlformats.org/presentationml/2006/main">
+  <p:cSld>
+    <p:spTree>
+      <p:nvGrpSpPr>
+        <p:cNvPr id="1" name=""/>
+        <p:cNvGrpSpPr/>
+        <p:nvPr/>
+      </p:nvGrpSpPr>
+      <p:grpSpPr>
+        <a:xfrm>
+          <a:off x="0" y="0"/>
+          <a:ext cx="0" cy="0"/>
+          <a:chOff x="0" y="0"/>
+          <a:chExt cx="0" cy="0"/>
+        </a:xfrm>
+      </p:grpSpPr>
+      <p:sp>
+        <p:nvSpPr>
+          <p:cNvPr id="2" name="スライド イメージ プレースホルダー 1"/>
+          <p:cNvSpPr>
+            <a:spLocks noGrp="1" noRot="1" noChangeAspect="1"/>
+          </p:cNvSpPr>
+          <p:nvPr>
+            <p:ph type="sldImg"/>
+          </p:nvPr>
+        </p:nvSpPr>
+        <p:spPr/>
+      </p:sp>
+      <p:sp>
+        <p:nvSpPr>
+          <p:cNvPr id="3" name="ノート プレースホルダー 2"/>
+          <p:cNvSpPr>
+            <a:spLocks noGrp="1"/>
+          </p:cNvSpPr>
+          <p:nvPr>
+            <p:ph type="body" idx="1"/>
+          </p:nvPr>
+        </p:nvSpPr>
+        <p:spPr/>
+        <p:txBody>
+          <a:bodyPr/>
+          <a:lstStyle/>
+          <a:p>
+            <a:endParaRPr kumimoji="1" lang="ja-JP" altLang="en-US" dirty="0"/>
+          </a:p>
+        </p:txBody>
+      </p:sp>
+      <p:sp>
+        <p:nvSpPr>
+          <p:cNvPr id="4" name="スライド番号プレースホルダー 3"/>
+          <p:cNvSpPr>
+            <a:spLocks noGrp="1"/>
+          </p:cNvSpPr>
+          <p:nvPr>
+            <p:ph type="sldNum" sz="quarter" idx="5"/>
+          </p:nvPr>
+        </p:nvSpPr>
+        <p:spPr/>
+        <p:txBody>
+          <a:bodyPr/>
+          <a:lstStyle/>
+          <a:p>
+            <a:fld id="{9704D330-D9B3-423A-A69B-A9D43E21FFBD}" type="slidenum">
+              <a:rPr kumimoji="1" lang="ja-JP" altLang="en-US" smtClean="0"/>
+              <a:t>4</a:t>
+            </a:fld>
+            <a:endParaRPr kumimoji="1" lang="ja-JP" altLang="en-US"/>
+          </a:p>
+        </p:txBody>
+      </p:sp>
+    </p:spTree>
+    <p:extLst>
+      <p:ext uri="{BB962C8B-B14F-4D97-AF65-F5344CB8AC3E}">
+        <p14:creationId xmlns:p14="http://schemas.microsoft.com/office/powerpoint/2010/main" val="4235649051"/>
+      </p:ext>
+    </p:extLst>
+  </p:cSld>
+  <p:clrMapOvr>
+    <a:masterClrMapping/>
+  </p:clrMapOvr>
+</p:notes>
+</file>
+
+<file path=ppt/notesSlides/notesSlide2.xml><?xml version="1.0" encoding="utf-8"?>
+<p:notes xmlns:a="http://schemas.openxmlformats.org/drawingml/2006/main" xmlns:r="http://schemas.openxmlformats.org/officeDocument/2006/relationships" xmlns:p="http://schemas.openxmlformats.org/presentationml/2006/main">
+  <p:cSld>
+    <p:spTree>
+      <p:nvGrpSpPr>
+        <p:cNvPr id="1" name=""/>
+        <p:cNvGrpSpPr/>
+        <p:nvPr/>
+      </p:nvGrpSpPr>
+      <p:grpSpPr>
+        <a:xfrm>
+          <a:off x="0" y="0"/>
+          <a:ext cx="0" cy="0"/>
+          <a:chOff x="0" y="0"/>
+          <a:chExt cx="0" cy="0"/>
+        </a:xfrm>
+      </p:grpSpPr>
+      <p:sp>
+        <p:nvSpPr>
+          <p:cNvPr id="2" name="スライド イメージ プレースホルダー 1"/>
+          <p:cNvSpPr>
+            <a:spLocks noGrp="1" noRot="1" noChangeAspect="1"/>
+          </p:cNvSpPr>
+          <p:nvPr>
+            <p:ph type="sldImg"/>
+          </p:nvPr>
+        </p:nvSpPr>
+        <p:spPr/>
+      </p:sp>
+      <p:sp>
+        <p:nvSpPr>
+          <p:cNvPr id="3" name="ノート プレースホルダー 2"/>
+          <p:cNvSpPr>
+            <a:spLocks noGrp="1"/>
+          </p:cNvSpPr>
+          <p:nvPr>
+            <p:ph type="body" idx="1"/>
+          </p:nvPr>
+        </p:nvSpPr>
+        <p:spPr/>
+        <p:txBody>
+          <a:bodyPr/>
+          <a:lstStyle/>
+          <a:p>
+            <a:endParaRPr kumimoji="1" lang="ja-JP" altLang="en-US" dirty="0"/>
+          </a:p>
+        </p:txBody>
+      </p:sp>
+      <p:sp>
+        <p:nvSpPr>
+          <p:cNvPr id="4" name="スライド番号プレースホルダー 3"/>
+          <p:cNvSpPr>
+            <a:spLocks noGrp="1"/>
+          </p:cNvSpPr>
+          <p:nvPr>
+            <p:ph type="sldNum" sz="quarter" idx="5"/>
+          </p:nvPr>
+        </p:nvSpPr>
+        <p:spPr/>
+        <p:txBody>
+          <a:bodyPr/>
+          <a:lstStyle/>
+          <a:p>
+            <a:fld id="{9704D330-D9B3-423A-A69B-A9D43E21FFBD}" type="slidenum">
+              <a:rPr kumimoji="1" lang="ja-JP" altLang="en-US" smtClean="0"/>
+              <a:t>6</a:t>
+            </a:fld>
+            <a:endParaRPr kumimoji="1" lang="ja-JP" altLang="en-US"/>
+          </a:p>
+        </p:txBody>
+      </p:sp>
+    </p:spTree>
+    <p:extLst>
+      <p:ext uri="{BB962C8B-B14F-4D97-AF65-F5344CB8AC3E}">
+        <p14:creationId xmlns:p14="http://schemas.microsoft.com/office/powerpoint/2010/main" val="65167959"/>
+      </p:ext>
+    </p:extLst>
+  </p:cSld>
+  <p:clrMapOvr>
+    <a:masterClrMapping/>
+  </p:clrMapOvr>
+</p:notes>
+</file>
+
 <file path=ppt/slideLayouts/slideLayout1.xml><?xml version="1.0" encoding="utf-8"?>
 <p:sldLayout xmlns:a="http://schemas.openxmlformats.org/drawingml/2006/main" xmlns:r="http://schemas.openxmlformats.org/officeDocument/2006/relationships" xmlns:p="http://schemas.openxmlformats.org/presentationml/2006/main" type="title" preserve="1">
   <p:cSld name="タイトル スライド">
@@ -265,7 +818,7 @@
           <a:p>
             <a:fld id="{BD692E51-D57A-44E5-8303-979633E3E9F0}" type="datetimeFigureOut">
               <a:rPr kumimoji="1" lang="ja-JP" altLang="en-US" smtClean="0"/>
-              <a:t>2025/6/22</a:t>
+              <a:t>2025/6/24</a:t>
             </a:fld>
             <a:endParaRPr kumimoji="1" lang="ja-JP" altLang="en-US"/>
           </a:p>
@@ -495,7 +1048,7 @@
           <a:p>
             <a:fld id="{BD692E51-D57A-44E5-8303-979633E3E9F0}" type="datetimeFigureOut">
               <a:rPr kumimoji="1" lang="ja-JP" altLang="en-US" smtClean="0"/>
-              <a:t>2025/6/22</a:t>
+              <a:t>2025/6/24</a:t>
             </a:fld>
             <a:endParaRPr kumimoji="1" lang="ja-JP" altLang="en-US"/>
           </a:p>
@@ -735,7 +1288,7 @@
           <a:p>
             <a:fld id="{BD692E51-D57A-44E5-8303-979633E3E9F0}" type="datetimeFigureOut">
               <a:rPr kumimoji="1" lang="ja-JP" altLang="en-US" smtClean="0"/>
-              <a:t>2025/6/22</a:t>
+              <a:t>2025/6/24</a:t>
             </a:fld>
             <a:endParaRPr kumimoji="1" lang="ja-JP" altLang="en-US"/>
           </a:p>
@@ -965,7 +1518,7 @@
           <a:p>
             <a:fld id="{BD692E51-D57A-44E5-8303-979633E3E9F0}" type="datetimeFigureOut">
               <a:rPr kumimoji="1" lang="ja-JP" altLang="en-US" smtClean="0"/>
-              <a:t>2025/6/22</a:t>
+              <a:t>2025/6/24</a:t>
             </a:fld>
             <a:endParaRPr kumimoji="1" lang="ja-JP" altLang="en-US"/>
           </a:p>
@@ -1240,7 +1793,7 @@
           <a:p>
             <a:fld id="{BD692E51-D57A-44E5-8303-979633E3E9F0}" type="datetimeFigureOut">
               <a:rPr kumimoji="1" lang="ja-JP" altLang="en-US" smtClean="0"/>
-              <a:t>2025/6/22</a:t>
+              <a:t>2025/6/24</a:t>
             </a:fld>
             <a:endParaRPr kumimoji="1" lang="ja-JP" altLang="en-US"/>
           </a:p>
@@ -1569,7 +2122,7 @@
           <a:p>
             <a:fld id="{BD692E51-D57A-44E5-8303-979633E3E9F0}" type="datetimeFigureOut">
               <a:rPr kumimoji="1" lang="ja-JP" altLang="en-US" smtClean="0"/>
-              <a:t>2025/6/22</a:t>
+              <a:t>2025/6/24</a:t>
             </a:fld>
             <a:endParaRPr kumimoji="1" lang="ja-JP" altLang="en-US"/>
           </a:p>
@@ -2045,7 +2598,7 @@
           <a:p>
             <a:fld id="{BD692E51-D57A-44E5-8303-979633E3E9F0}" type="datetimeFigureOut">
               <a:rPr kumimoji="1" lang="ja-JP" altLang="en-US" smtClean="0"/>
-              <a:t>2025/6/22</a:t>
+              <a:t>2025/6/24</a:t>
             </a:fld>
             <a:endParaRPr kumimoji="1" lang="ja-JP" altLang="en-US"/>
           </a:p>
@@ -2186,7 +2739,7 @@
           <a:p>
             <a:fld id="{BD692E51-D57A-44E5-8303-979633E3E9F0}" type="datetimeFigureOut">
               <a:rPr kumimoji="1" lang="ja-JP" altLang="en-US" smtClean="0"/>
-              <a:t>2025/6/22</a:t>
+              <a:t>2025/6/24</a:t>
             </a:fld>
             <a:endParaRPr kumimoji="1" lang="ja-JP" altLang="en-US"/>
           </a:p>
@@ -2299,7 +2852,7 @@
           <a:p>
             <a:fld id="{BD692E51-D57A-44E5-8303-979633E3E9F0}" type="datetimeFigureOut">
               <a:rPr kumimoji="1" lang="ja-JP" altLang="en-US" smtClean="0"/>
-              <a:t>2025/6/22</a:t>
+              <a:t>2025/6/24</a:t>
             </a:fld>
             <a:endParaRPr kumimoji="1" lang="ja-JP" altLang="en-US"/>
           </a:p>
@@ -2642,7 +3195,7 @@
           <a:p>
             <a:fld id="{BD692E51-D57A-44E5-8303-979633E3E9F0}" type="datetimeFigureOut">
               <a:rPr kumimoji="1" lang="ja-JP" altLang="en-US" smtClean="0"/>
-              <a:t>2025/6/22</a:t>
+              <a:t>2025/6/24</a:t>
             </a:fld>
             <a:endParaRPr kumimoji="1" lang="ja-JP" altLang="en-US"/>
           </a:p>
@@ -2930,7 +3483,7 @@
           <a:p>
             <a:fld id="{BD692E51-D57A-44E5-8303-979633E3E9F0}" type="datetimeFigureOut">
               <a:rPr kumimoji="1" lang="ja-JP" altLang="en-US" smtClean="0"/>
-              <a:t>2025/6/22</a:t>
+              <a:t>2025/6/24</a:t>
             </a:fld>
             <a:endParaRPr kumimoji="1" lang="ja-JP" altLang="en-US"/>
           </a:p>
@@ -3203,7 +3756,7 @@
           <a:p>
             <a:fld id="{BD692E51-D57A-44E5-8303-979633E3E9F0}" type="datetimeFigureOut">
               <a:rPr kumimoji="1" lang="ja-JP" altLang="en-US" smtClean="0"/>
-              <a:t>2025/6/22</a:t>
+              <a:t>2025/6/24</a:t>
             </a:fld>
             <a:endParaRPr kumimoji="1" lang="ja-JP" altLang="en-US"/>
           </a:p>
@@ -4098,7 +4651,45 @@
           <a:bodyPr/>
           <a:lstStyle/>
           <a:p>
-            <a:endParaRPr kumimoji="1" lang="ja-JP" altLang="en-US"/>
+            <a:r>
+              <a:rPr kumimoji="1" lang="ja-JP" altLang="en-US" b="1" dirty="0"/>
+              <a:t>製作背景</a:t>
+            </a:r>
+            <a:endParaRPr kumimoji="1" lang="en-US" altLang="ja-JP" b="1" dirty="0"/>
+          </a:p>
+          <a:p>
+            <a:r>
+              <a:rPr lang="ja-JP" altLang="en-US" b="1" dirty="0"/>
+              <a:t>製作過程</a:t>
+            </a:r>
+            <a:endParaRPr lang="en-US" altLang="ja-JP" b="1" dirty="0"/>
+          </a:p>
+          <a:p>
+            <a:r>
+              <a:rPr lang="ja-JP" altLang="en-US" b="1" dirty="0"/>
+              <a:t>工夫した点</a:t>
+            </a:r>
+            <a:endParaRPr lang="en-US" altLang="ja-JP" b="1" dirty="0"/>
+          </a:p>
+          <a:p>
+            <a:r>
+              <a:rPr lang="ja-JP" altLang="en-US" b="1" dirty="0"/>
+              <a:t>苦労した点</a:t>
+            </a:r>
+            <a:endParaRPr lang="en-US" altLang="ja-JP" b="1" dirty="0"/>
+          </a:p>
+          <a:p>
+            <a:r>
+              <a:rPr lang="ja-JP" altLang="en-US" b="1" dirty="0"/>
+              <a:t>研修で学んだこと</a:t>
+            </a:r>
+            <a:endParaRPr lang="en-US" altLang="ja-JP" b="1" dirty="0"/>
+          </a:p>
+          <a:p>
+            <a:endParaRPr lang="en-US" altLang="ja-JP" b="1" dirty="0"/>
+          </a:p>
+          <a:p>
+            <a:endParaRPr kumimoji="1" lang="ja-JP" altLang="en-US" b="1" dirty="0"/>
           </a:p>
         </p:txBody>
       </p:sp>
@@ -4120,13 +4711,7 @@
   <p:cSld>
     <p:spTree>
       <p:nvGrpSpPr>
-        <p:cNvPr id="1" name="">
-          <a:extLst>
-            <a:ext uri="{FF2B5EF4-FFF2-40B4-BE49-F238E27FC236}">
-              <a16:creationId xmlns:a16="http://schemas.microsoft.com/office/drawing/2014/main" id="{5F925C71-3BDE-A590-5B6F-688BE24C12DC}"/>
-            </a:ext>
-          </a:extLst>
-        </p:cNvPr>
+        <p:cNvPr id="1" name=""/>
         <p:cNvGrpSpPr/>
         <p:nvPr/>
       </p:nvGrpSpPr>
@@ -4143,7 +4728,7 @@
           <p:cNvPr id="2" name="タイトル 1">
             <a:extLst>
               <a:ext uri="{FF2B5EF4-FFF2-40B4-BE49-F238E27FC236}">
-                <a16:creationId xmlns:a16="http://schemas.microsoft.com/office/drawing/2014/main" id="{D65E089C-9625-D265-B4CB-4CCAA962DDB5}"/>
+                <a16:creationId xmlns:a16="http://schemas.microsoft.com/office/drawing/2014/main" id="{0C3B0014-ADDF-B301-8122-5CA5834A2C4E}"/>
               </a:ext>
             </a:extLst>
           </p:cNvPr>
@@ -4154,29 +4739,15 @@
             <p:ph type="title"/>
           </p:nvPr>
         </p:nvSpPr>
-        <p:spPr>
-          <a:xfrm>
-            <a:off x="838200" y="518746"/>
-            <a:ext cx="1298331" cy="899380"/>
-          </a:xfrm>
-        </p:spPr>
-        <p:txBody>
-          <a:bodyPr>
-            <a:normAutofit/>
-          </a:bodyPr>
-          <a:lstStyle/>
-          <a:p>
-            <a:r>
-              <a:rPr lang="ja-JP" altLang="en-US" sz="4000" b="1" dirty="0">
-                <a:latin typeface="BIZ UDPゴシック" panose="020B0400000000000000" pitchFamily="50" charset="-128"/>
-                <a:ea typeface="BIZ UDPゴシック" panose="020B0400000000000000" pitchFamily="50" charset="-128"/>
-              </a:rPr>
-              <a:t>背景</a:t>
-            </a:r>
-            <a:endParaRPr kumimoji="1" lang="ja-JP" altLang="en-US" sz="4000" b="1" dirty="0">
-              <a:latin typeface="BIZ UDPゴシック" panose="020B0400000000000000" pitchFamily="50" charset="-128"/>
-              <a:ea typeface="BIZ UDPゴシック" panose="020B0400000000000000" pitchFamily="50" charset="-128"/>
-            </a:endParaRPr>
+        <p:spPr/>
+        <p:txBody>
+          <a:bodyPr/>
+          <a:lstStyle/>
+          <a:p>
+            <a:r>
+              <a:rPr kumimoji="1" lang="ja-JP" altLang="en-US" b="1" dirty="0"/>
+              <a:t>製作背景</a:t>
+            </a:r>
           </a:p>
         </p:txBody>
       </p:sp>
@@ -4185,7 +4756,7 @@
           <p:cNvPr id="3" name="コンテンツ プレースホルダー 2">
             <a:extLst>
               <a:ext uri="{FF2B5EF4-FFF2-40B4-BE49-F238E27FC236}">
-                <a16:creationId xmlns:a16="http://schemas.microsoft.com/office/drawing/2014/main" id="{5F852391-8781-3BB4-3291-8082F93EEB81}"/>
+                <a16:creationId xmlns:a16="http://schemas.microsoft.com/office/drawing/2014/main" id="{47E6BF59-828B-69FD-7318-CC1CFBBDE2BD}"/>
               </a:ext>
             </a:extLst>
           </p:cNvPr>
@@ -4201,14 +4772,31 @@
           <a:bodyPr/>
           <a:lstStyle/>
           <a:p>
-            <a:endParaRPr kumimoji="1" lang="ja-JP" altLang="en-US"/>
+            <a:r>
+              <a:rPr kumimoji="1" lang="ja-JP" altLang="en-US" dirty="0"/>
+              <a:t>座学や名刺管理アプリの作成で培った知識の実践</a:t>
+            </a:r>
+            <a:endParaRPr kumimoji="1" lang="en-US" altLang="ja-JP" dirty="0"/>
+          </a:p>
+          <a:p>
+            <a:r>
+              <a:rPr lang="ja-JP" altLang="en-US" dirty="0"/>
+              <a:t>個人ではなく共同作業の経験を積む</a:t>
+            </a:r>
+            <a:endParaRPr lang="en-US" altLang="ja-JP" dirty="0"/>
+          </a:p>
+          <a:p>
+            <a:r>
+              <a:rPr kumimoji="1" lang="ja-JP" altLang="en-US" dirty="0"/>
+              <a:t>意思疎通と日程調整の経験を積む</a:t>
+            </a:r>
           </a:p>
         </p:txBody>
       </p:sp>
     </p:spTree>
     <p:extLst>
       <p:ext uri="{BB962C8B-B14F-4D97-AF65-F5344CB8AC3E}">
-        <p14:creationId xmlns:p14="http://schemas.microsoft.com/office/powerpoint/2010/main" val="2330379334"/>
+        <p14:creationId xmlns:p14="http://schemas.microsoft.com/office/powerpoint/2010/main" val="3678012564"/>
       </p:ext>
     </p:extLst>
   </p:cSld>
@@ -4240,7 +4828,7 @@
           <p:cNvPr id="2" name="タイトル 1">
             <a:extLst>
               <a:ext uri="{FF2B5EF4-FFF2-40B4-BE49-F238E27FC236}">
-                <a16:creationId xmlns:a16="http://schemas.microsoft.com/office/drawing/2014/main" id="{CD8B4316-450C-2EC5-0A0D-11F30696400E}"/>
+                <a16:creationId xmlns:a16="http://schemas.microsoft.com/office/drawing/2014/main" id="{4DB99C88-A36C-563F-B4D0-939574E4264D}"/>
               </a:ext>
             </a:extLst>
           </p:cNvPr>
@@ -4251,57 +4839,173 @@
             <p:ph type="title"/>
           </p:nvPr>
         </p:nvSpPr>
-        <p:spPr>
+        <p:spPr/>
+        <p:txBody>
+          <a:bodyPr/>
+          <a:lstStyle/>
+          <a:p>
+            <a:r>
+              <a:rPr lang="ja-JP" altLang="en-US" b="1" dirty="0"/>
+              <a:t>製作過程</a:t>
+            </a:r>
+            <a:endParaRPr kumimoji="1" lang="ja-JP" altLang="en-US" b="1" dirty="0"/>
+          </a:p>
+        </p:txBody>
+      </p:sp>
+      <p:sp>
+        <p:nvSpPr>
+          <p:cNvPr id="3" name="コンテンツ プレースホルダー 2">
+            <a:extLst>
+              <a:ext uri="{FF2B5EF4-FFF2-40B4-BE49-F238E27FC236}">
+                <a16:creationId xmlns:a16="http://schemas.microsoft.com/office/drawing/2014/main" id="{27CBF64E-07C3-61A7-0844-00E0CEAD1C5E}"/>
+              </a:ext>
+            </a:extLst>
+          </p:cNvPr>
+          <p:cNvSpPr>
+            <a:spLocks noGrp="1"/>
+          </p:cNvSpPr>
+          <p:nvPr>
+            <p:ph idx="1"/>
+          </p:nvPr>
+        </p:nvSpPr>
+        <p:spPr/>
+        <p:txBody>
+          <a:bodyPr/>
+          <a:lstStyle/>
+          <a:p>
+            <a:r>
+              <a:rPr kumimoji="1" lang="ja-JP" altLang="en-US" dirty="0"/>
+              <a:t>要件定義</a:t>
+            </a:r>
+            <a:endParaRPr kumimoji="1" lang="en-US" altLang="ja-JP" dirty="0"/>
+          </a:p>
+          <a:p>
+            <a:pPr lvl="1"/>
+            <a:r>
+              <a:rPr kumimoji="1" lang="ja-JP" altLang="en-US" dirty="0"/>
+              <a:t>案出し</a:t>
+            </a:r>
+            <a:endParaRPr kumimoji="1" lang="en-US" altLang="ja-JP" dirty="0"/>
+          </a:p>
+          <a:p>
+            <a:pPr lvl="1"/>
+            <a:r>
+              <a:rPr lang="ja-JP" altLang="en-US" dirty="0"/>
+              <a:t>ペルソナ作成</a:t>
+            </a:r>
+            <a:endParaRPr kumimoji="1" lang="en-US" altLang="ja-JP" dirty="0"/>
+          </a:p>
+          <a:p>
+            <a:r>
+              <a:rPr kumimoji="1" lang="ja-JP" altLang="en-US" dirty="0"/>
+              <a:t>外部設計</a:t>
+            </a:r>
+            <a:endParaRPr kumimoji="1" lang="en-US" altLang="ja-JP" dirty="0"/>
+          </a:p>
+          <a:p>
+            <a:pPr lvl="1"/>
+            <a:r>
+              <a:rPr kumimoji="1" lang="ja-JP" altLang="en-US" dirty="0"/>
+              <a:t>各個人の画面イメージの可視化</a:t>
+            </a:r>
+            <a:endParaRPr kumimoji="1" lang="en-US" altLang="ja-JP" dirty="0"/>
+          </a:p>
+          <a:p>
+            <a:pPr lvl="1"/>
+            <a:r>
+              <a:rPr lang="ja-JP" altLang="en-US" dirty="0"/>
+              <a:t>認識の擦り合わせ</a:t>
+            </a:r>
+            <a:endParaRPr kumimoji="1" lang="en-US" altLang="ja-JP" dirty="0"/>
+          </a:p>
+          <a:p>
+            <a:r>
+              <a:rPr lang="ja-JP" altLang="en-US" dirty="0"/>
+              <a:t>内部設計</a:t>
+            </a:r>
+            <a:endParaRPr lang="en-US" altLang="ja-JP" dirty="0"/>
+          </a:p>
+          <a:p>
+            <a:pPr lvl="1"/>
+            <a:r>
+              <a:rPr kumimoji="1" lang="ja-JP" altLang="en-US" dirty="0"/>
+              <a:t>担当者決め</a:t>
+            </a:r>
+            <a:endParaRPr kumimoji="1" lang="en-US" altLang="ja-JP" dirty="0"/>
+          </a:p>
+          <a:p>
+            <a:r>
+              <a:rPr lang="ja-JP" altLang="en-US" dirty="0"/>
+              <a:t>プログラミング</a:t>
+            </a:r>
+            <a:endParaRPr kumimoji="1" lang="ja-JP" altLang="en-US" dirty="0"/>
+          </a:p>
+        </p:txBody>
+      </p:sp>
+      <p:pic>
+        <p:nvPicPr>
+          <p:cNvPr id="1026" name="Picture 2">
+            <a:extLst>
+              <a:ext uri="{FF2B5EF4-FFF2-40B4-BE49-F238E27FC236}">
+                <a16:creationId xmlns:a16="http://schemas.microsoft.com/office/drawing/2014/main" id="{24CD804B-09E9-C35F-D1C6-E3A664C4B19A}"/>
+              </a:ext>
+            </a:extLst>
+          </p:cNvPr>
+          <p:cNvPicPr>
+            <a:picLocks noChangeAspect="1" noChangeArrowheads="1"/>
+          </p:cNvPicPr>
+          <p:nvPr/>
+        </p:nvPicPr>
+        <p:blipFill>
+          <a:blip r:embed="rId3">
+            <a:extLst>
+              <a:ext uri="{28A0092B-C50C-407E-A947-70E740481C1C}">
+                <a14:useLocalDpi xmlns:a14="http://schemas.microsoft.com/office/drawing/2010/main" val="0"/>
+              </a:ext>
+            </a:extLst>
+          </a:blip>
+          <a:srcRect/>
+          <a:stretch>
+            <a:fillRect/>
+          </a:stretch>
+        </p:blipFill>
+        <p:spPr bwMode="auto">
           <a:xfrm>
-            <a:off x="838200" y="492369"/>
-            <a:ext cx="2335823" cy="925757"/>
+            <a:off x="6705601" y="0"/>
+            <a:ext cx="5486400" cy="6858000"/>
           </a:xfrm>
+          <a:prstGeom prst="rect">
+            <a:avLst/>
+          </a:prstGeom>
+          <a:noFill/>
+          <a:ln>
+            <a:noFill/>
+          </a:ln>
+          <a:extLst>
+            <a:ext uri="{909E8E84-426E-40DD-AFC4-6F175D3DCCD1}">
+              <a14:hiddenFill xmlns:a14="http://schemas.microsoft.com/office/drawing/2010/main">
+                <a:solidFill>
+                  <a:srgbClr val="FFFFFF"/>
+                </a:solidFill>
+              </a14:hiddenFill>
+            </a:ext>
+            <a:ext uri="{91240B29-F687-4F45-9708-019B960494DF}">
+              <a14:hiddenLine xmlns:a14="http://schemas.microsoft.com/office/drawing/2010/main" w="9525">
+                <a:solidFill>
+                  <a:srgbClr val="000000"/>
+                </a:solidFill>
+                <a:miter lim="800000"/>
+                <a:headEnd/>
+                <a:tailEnd/>
+              </a14:hiddenLine>
+            </a:ext>
+          </a:extLst>
         </p:spPr>
-        <p:txBody>
-          <a:bodyPr>
-            <a:normAutofit/>
-          </a:bodyPr>
-          <a:lstStyle/>
-          <a:p>
-            <a:r>
-              <a:rPr kumimoji="1" lang="ja-JP" altLang="en-US" sz="4000" b="1" dirty="0">
-                <a:latin typeface="BIZ UDPゴシック" panose="020B0400000000000000" pitchFamily="50" charset="-128"/>
-                <a:ea typeface="BIZ UDPゴシック" panose="020B0400000000000000" pitchFamily="50" charset="-128"/>
-              </a:rPr>
-              <a:t>開発過程</a:t>
-            </a:r>
-          </a:p>
-        </p:txBody>
-      </p:sp>
-      <p:sp>
-        <p:nvSpPr>
-          <p:cNvPr id="3" name="コンテンツ プレースホルダー 2">
-            <a:extLst>
-              <a:ext uri="{FF2B5EF4-FFF2-40B4-BE49-F238E27FC236}">
-                <a16:creationId xmlns:a16="http://schemas.microsoft.com/office/drawing/2014/main" id="{1F5D2219-B629-1822-C708-D30529FC114F}"/>
-              </a:ext>
-            </a:extLst>
-          </p:cNvPr>
-          <p:cNvSpPr>
-            <a:spLocks noGrp="1"/>
-          </p:cNvSpPr>
-          <p:nvPr>
-            <p:ph idx="1"/>
-          </p:nvPr>
-        </p:nvSpPr>
-        <p:spPr/>
-        <p:txBody>
-          <a:bodyPr/>
-          <a:lstStyle/>
-          <a:p>
-            <a:endParaRPr kumimoji="1" lang="ja-JP" altLang="en-US"/>
-          </a:p>
-        </p:txBody>
-      </p:sp>
+      </p:pic>
     </p:spTree>
     <p:extLst>
       <p:ext uri="{BB962C8B-B14F-4D97-AF65-F5344CB8AC3E}">
-        <p14:creationId xmlns:p14="http://schemas.microsoft.com/office/powerpoint/2010/main" val="2889826263"/>
+        <p14:creationId xmlns:p14="http://schemas.microsoft.com/office/powerpoint/2010/main" val="1326939832"/>
       </p:ext>
     </p:extLst>
   </p:cSld>
@@ -4333,7 +5037,7 @@
           <p:cNvPr id="2" name="タイトル 1">
             <a:extLst>
               <a:ext uri="{FF2B5EF4-FFF2-40B4-BE49-F238E27FC236}">
-                <a16:creationId xmlns:a16="http://schemas.microsoft.com/office/drawing/2014/main" id="{333BB1FF-C340-6956-8FAB-7821464A915E}"/>
+                <a16:creationId xmlns:a16="http://schemas.microsoft.com/office/drawing/2014/main" id="{5C01C5AC-896C-7ED7-7900-92A4431DD706}"/>
               </a:ext>
             </a:extLst>
           </p:cNvPr>
@@ -4344,23 +5048,13 @@
             <p:ph type="title"/>
           </p:nvPr>
         </p:nvSpPr>
-        <p:spPr>
-          <a:xfrm>
-            <a:off x="838200" y="342899"/>
-            <a:ext cx="3162300" cy="1189527"/>
-          </a:xfrm>
-        </p:spPr>
-        <p:txBody>
-          <a:bodyPr>
-            <a:normAutofit/>
-          </a:bodyPr>
-          <a:lstStyle/>
-          <a:p>
-            <a:r>
-              <a:rPr kumimoji="1" lang="ja-JP" altLang="en-US" sz="4000" b="1" dirty="0">
-                <a:latin typeface="BIZ UDPゴシック" panose="020B0400000000000000" pitchFamily="50" charset="-128"/>
-                <a:ea typeface="BIZ UDPゴシック" panose="020B0400000000000000" pitchFamily="50" charset="-128"/>
-              </a:rPr>
+        <p:spPr/>
+        <p:txBody>
+          <a:bodyPr/>
+          <a:lstStyle/>
+          <a:p>
+            <a:r>
+              <a:rPr kumimoji="1" lang="ja-JP" altLang="en-US" b="1" dirty="0"/>
               <a:t>工夫した点</a:t>
             </a:r>
           </a:p>
@@ -4371,7 +5065,7 @@
           <p:cNvPr id="3" name="コンテンツ プレースホルダー 2">
             <a:extLst>
               <a:ext uri="{FF2B5EF4-FFF2-40B4-BE49-F238E27FC236}">
-                <a16:creationId xmlns:a16="http://schemas.microsoft.com/office/drawing/2014/main" id="{C017A5C6-CE0B-524F-E158-817E727B374B}"/>
+                <a16:creationId xmlns:a16="http://schemas.microsoft.com/office/drawing/2014/main" id="{726F0474-6E69-D7C1-6493-F44CB9C298E2}"/>
               </a:ext>
             </a:extLst>
           </p:cNvPr>
@@ -4387,14 +5081,24 @@
           <a:bodyPr/>
           <a:lstStyle/>
           <a:p>
-            <a:endParaRPr kumimoji="1" lang="ja-JP" altLang="en-US"/>
+            <a:r>
+              <a:rPr kumimoji="1" lang="ja-JP" altLang="en-US" dirty="0"/>
+              <a:t>キーボード操作を最低限に</a:t>
+            </a:r>
+            <a:endParaRPr kumimoji="1" lang="en-US" altLang="ja-JP" dirty="0"/>
+          </a:p>
+          <a:p>
+            <a:r>
+              <a:rPr kumimoji="1" lang="ja-JP" altLang="en-US" dirty="0"/>
+              <a:t>シンプルで直感的なデザイン</a:t>
+            </a:r>
           </a:p>
         </p:txBody>
       </p:sp>
     </p:spTree>
     <p:extLst>
       <p:ext uri="{BB962C8B-B14F-4D97-AF65-F5344CB8AC3E}">
-        <p14:creationId xmlns:p14="http://schemas.microsoft.com/office/powerpoint/2010/main" val="1502674743"/>
+        <p14:creationId xmlns:p14="http://schemas.microsoft.com/office/powerpoint/2010/main" val="439152772"/>
       </p:ext>
     </p:extLst>
   </p:cSld>
@@ -4426,7 +5130,7 @@
           <p:cNvPr id="2" name="タイトル 1">
             <a:extLst>
               <a:ext uri="{FF2B5EF4-FFF2-40B4-BE49-F238E27FC236}">
-                <a16:creationId xmlns:a16="http://schemas.microsoft.com/office/drawing/2014/main" id="{C0FCC78D-9A7E-850E-8965-EDF8DF10EC45}"/>
+                <a16:creationId xmlns:a16="http://schemas.microsoft.com/office/drawing/2014/main" id="{A85CB8CB-1344-58DC-401C-0227201C706D}"/>
               </a:ext>
             </a:extLst>
           </p:cNvPr>
@@ -4437,23 +5141,13 @@
             <p:ph type="title"/>
           </p:nvPr>
         </p:nvSpPr>
-        <p:spPr>
-          <a:xfrm>
-            <a:off x="838200" y="351693"/>
-            <a:ext cx="3030415" cy="1154357"/>
-          </a:xfrm>
-        </p:spPr>
-        <p:txBody>
-          <a:bodyPr>
-            <a:normAutofit/>
-          </a:bodyPr>
-          <a:lstStyle/>
-          <a:p>
-            <a:r>
-              <a:rPr kumimoji="1" lang="ja-JP" altLang="en-US" sz="4000" b="1" dirty="0">
-                <a:latin typeface="BIZ UDPゴシック" panose="020B0400000000000000" pitchFamily="50" charset="-128"/>
-                <a:ea typeface="BIZ UDPゴシック" panose="020B0400000000000000" pitchFamily="50" charset="-128"/>
-              </a:rPr>
+        <p:spPr/>
+        <p:txBody>
+          <a:bodyPr/>
+          <a:lstStyle/>
+          <a:p>
+            <a:r>
+              <a:rPr kumimoji="1" lang="ja-JP" altLang="en-US" b="1" dirty="0"/>
               <a:t>苦労した点</a:t>
             </a:r>
           </a:p>
@@ -4464,7 +5158,7 @@
           <p:cNvPr id="3" name="コンテンツ プレースホルダー 2">
             <a:extLst>
               <a:ext uri="{FF2B5EF4-FFF2-40B4-BE49-F238E27FC236}">
-                <a16:creationId xmlns:a16="http://schemas.microsoft.com/office/drawing/2014/main" id="{9A9838D1-E30A-3ED4-6B32-8BD0264B8F3B}"/>
+                <a16:creationId xmlns:a16="http://schemas.microsoft.com/office/drawing/2014/main" id="{C8465828-7B05-C179-0A59-378C6BF3806D}"/>
               </a:ext>
             </a:extLst>
           </p:cNvPr>
@@ -4480,14 +5174,75 @@
           <a:bodyPr/>
           <a:lstStyle/>
           <a:p>
-            <a:endParaRPr kumimoji="1" lang="ja-JP" altLang="en-US"/>
+            <a:r>
+              <a:rPr kumimoji="1" lang="ja-JP" altLang="en-US" dirty="0"/>
+              <a:t>度重なる案出しの却下</a:t>
+            </a:r>
+            <a:endParaRPr kumimoji="1" lang="en-US" altLang="ja-JP" dirty="0"/>
+          </a:p>
+          <a:p>
+            <a:r>
+              <a:rPr lang="ja-JP" altLang="en-US" dirty="0"/>
+              <a:t>ペルソナの再構築</a:t>
+            </a:r>
+            <a:endParaRPr lang="en-US" altLang="ja-JP" dirty="0"/>
+          </a:p>
+          <a:p>
+            <a:r>
+              <a:rPr kumimoji="1" lang="ja-JP" altLang="en-US" dirty="0"/>
+              <a:t>その遅れを引きずった状態での開発</a:t>
+            </a:r>
+            <a:endParaRPr kumimoji="1" lang="en-US" altLang="ja-JP" dirty="0"/>
+          </a:p>
+          <a:p>
+            <a:r>
+              <a:rPr lang="ja-JP" altLang="en-US" dirty="0"/>
+              <a:t>全体的な日程管理</a:t>
+            </a:r>
+            <a:endParaRPr lang="en-US" altLang="ja-JP" dirty="0"/>
+          </a:p>
+          <a:p>
+            <a:r>
+              <a:rPr lang="ja-JP" altLang="en-US" dirty="0"/>
+              <a:t>有料</a:t>
+            </a:r>
+            <a:r>
+              <a:rPr lang="en-US" altLang="ja-JP" dirty="0"/>
+              <a:t>API</a:t>
+            </a:r>
+            <a:r>
+              <a:rPr lang="ja-JP" altLang="en-US" dirty="0"/>
+              <a:t>の壁</a:t>
+            </a:r>
+            <a:endParaRPr lang="en-US" altLang="ja-JP" dirty="0"/>
+          </a:p>
+          <a:p>
+            <a:r>
+              <a:rPr kumimoji="1" lang="ja-JP" altLang="en-US" dirty="0"/>
+              <a:t>ガントチャートの実装</a:t>
+            </a:r>
+            <a:endParaRPr kumimoji="1" lang="en-US" altLang="ja-JP" dirty="0"/>
+          </a:p>
+          <a:p>
+            <a:r>
+              <a:rPr lang="ja-JP" altLang="en-US" dirty="0"/>
+              <a:t>予定をカレンダーに同期</a:t>
+            </a:r>
+            <a:endParaRPr kumimoji="1" lang="en-US" altLang="ja-JP" dirty="0"/>
+          </a:p>
+          <a:p>
+            <a:r>
+              <a:rPr kumimoji="1" lang="ja-JP" altLang="en-US" dirty="0"/>
+              <a:t>多対多のデータのやり取り</a:t>
+            </a:r>
+            <a:endParaRPr kumimoji="1" lang="en-US" altLang="ja-JP" dirty="0"/>
           </a:p>
         </p:txBody>
       </p:sp>
     </p:spTree>
     <p:extLst>
       <p:ext uri="{BB962C8B-B14F-4D97-AF65-F5344CB8AC3E}">
-        <p14:creationId xmlns:p14="http://schemas.microsoft.com/office/powerpoint/2010/main" val="3514038847"/>
+        <p14:creationId xmlns:p14="http://schemas.microsoft.com/office/powerpoint/2010/main" val="1107089224"/>
       </p:ext>
     </p:extLst>
   </p:cSld>
@@ -4498,6 +5253,122 @@
 </file>
 
 <file path=ppt/slides/slide7.xml><?xml version="1.0" encoding="utf-8"?>
+<p:sld xmlns:a="http://schemas.openxmlformats.org/drawingml/2006/main" xmlns:r="http://schemas.openxmlformats.org/officeDocument/2006/relationships" xmlns:p="http://schemas.openxmlformats.org/presentationml/2006/main">
+  <p:cSld>
+    <p:spTree>
+      <p:nvGrpSpPr>
+        <p:cNvPr id="1" name=""/>
+        <p:cNvGrpSpPr/>
+        <p:nvPr/>
+      </p:nvGrpSpPr>
+      <p:grpSpPr>
+        <a:xfrm>
+          <a:off x="0" y="0"/>
+          <a:ext cx="0" cy="0"/>
+          <a:chOff x="0" y="0"/>
+          <a:chExt cx="0" cy="0"/>
+        </a:xfrm>
+      </p:grpSpPr>
+      <p:sp>
+        <p:nvSpPr>
+          <p:cNvPr id="2" name="タイトル 1">
+            <a:extLst>
+              <a:ext uri="{FF2B5EF4-FFF2-40B4-BE49-F238E27FC236}">
+                <a16:creationId xmlns:a16="http://schemas.microsoft.com/office/drawing/2014/main" id="{4741F83E-D121-D6BD-A9D9-53E4017F3BAD}"/>
+              </a:ext>
+            </a:extLst>
+          </p:cNvPr>
+          <p:cNvSpPr>
+            <a:spLocks noGrp="1"/>
+          </p:cNvSpPr>
+          <p:nvPr>
+            <p:ph type="title"/>
+          </p:nvPr>
+        </p:nvSpPr>
+        <p:spPr/>
+        <p:txBody>
+          <a:bodyPr/>
+          <a:lstStyle/>
+          <a:p>
+            <a:r>
+              <a:rPr kumimoji="1" lang="ja-JP" altLang="en-US" b="1" dirty="0"/>
+              <a:t>研修で学んだこと</a:t>
+            </a:r>
+          </a:p>
+        </p:txBody>
+      </p:sp>
+      <p:sp>
+        <p:nvSpPr>
+          <p:cNvPr id="3" name="コンテンツ プレースホルダー 2">
+            <a:extLst>
+              <a:ext uri="{FF2B5EF4-FFF2-40B4-BE49-F238E27FC236}">
+                <a16:creationId xmlns:a16="http://schemas.microsoft.com/office/drawing/2014/main" id="{9C71F6F0-4CA2-4D59-39BD-44F15EA2B761}"/>
+              </a:ext>
+            </a:extLst>
+          </p:cNvPr>
+          <p:cNvSpPr>
+            <a:spLocks noGrp="1"/>
+          </p:cNvSpPr>
+          <p:nvPr>
+            <p:ph idx="1"/>
+          </p:nvPr>
+        </p:nvSpPr>
+        <p:spPr/>
+        <p:txBody>
+          <a:bodyPr/>
+          <a:lstStyle/>
+          <a:p>
+            <a:r>
+              <a:rPr kumimoji="1" lang="ja-JP" altLang="en-US" dirty="0"/>
+              <a:t>目標設定</a:t>
+            </a:r>
+            <a:endParaRPr kumimoji="1" lang="en-US" altLang="ja-JP" dirty="0"/>
+          </a:p>
+          <a:p>
+            <a:r>
+              <a:rPr lang="ja-JP" altLang="en-US" dirty="0"/>
+              <a:t>進捗</a:t>
+            </a:r>
+            <a:r>
+              <a:rPr lang="en-US" altLang="ja-JP" dirty="0"/>
+              <a:t>/</a:t>
+            </a:r>
+            <a:r>
+              <a:rPr lang="ja-JP" altLang="en-US" dirty="0"/>
+              <a:t>日程管理</a:t>
+            </a:r>
+            <a:endParaRPr lang="en-US" altLang="ja-JP" dirty="0"/>
+          </a:p>
+          <a:p>
+            <a:r>
+              <a:rPr kumimoji="1" lang="ja-JP" altLang="en-US" dirty="0"/>
+              <a:t>役割分担</a:t>
+            </a:r>
+            <a:endParaRPr kumimoji="1" lang="en-US" altLang="ja-JP" dirty="0"/>
+          </a:p>
+          <a:p>
+            <a:r>
+              <a:rPr lang="ja-JP" altLang="en-US" dirty="0"/>
+              <a:t>和を以て貴しとなす</a:t>
+            </a:r>
+            <a:endParaRPr kumimoji="1" lang="en-US" altLang="ja-JP" dirty="0"/>
+          </a:p>
+        </p:txBody>
+      </p:sp>
+    </p:spTree>
+    <p:extLst>
+      <p:ext uri="{BB962C8B-B14F-4D97-AF65-F5344CB8AC3E}">
+        <p14:creationId xmlns:p14="http://schemas.microsoft.com/office/powerpoint/2010/main" val="1224388383"/>
+      </p:ext>
+    </p:extLst>
+  </p:cSld>
+  <p:clrMapOvr>
+    <a:masterClrMapping/>
+  </p:clrMapOvr>
+</p:sld>
+</file>
+
+<file path=ppt/slides/slide8.xml><?xml version="1.0" encoding="utf-8"?>
 <p:sld xmlns:a="http://schemas.openxmlformats.org/drawingml/2006/main" xmlns:r="http://schemas.openxmlformats.org/officeDocument/2006/relationships" xmlns:p="http://schemas.openxmlformats.org/presentationml/2006/main">
   <p:cSld>
     <p:spTree>
@@ -4878,4 +5749,319 @@
     </a:ext>
   </a:extLst>
 </a:theme>
+</file>
+
+<file path=ppt/theme/theme2.xml><?xml version="1.0" encoding="utf-8"?>
+<a:theme xmlns:a="http://schemas.openxmlformats.org/drawingml/2006/main" name="Office テーマ">
+  <a:themeElements>
+    <a:clrScheme name="Office">
+      <a:dk1>
+        <a:sysClr val="windowText" lastClr="000000"/>
+      </a:dk1>
+      <a:lt1>
+        <a:sysClr val="window" lastClr="FFFFFF"/>
+      </a:lt1>
+      <a:dk2>
+        <a:srgbClr val="0E2841"/>
+      </a:dk2>
+      <a:lt2>
+        <a:srgbClr val="E8E8E8"/>
+      </a:lt2>
+      <a:accent1>
+        <a:srgbClr val="156082"/>
+      </a:accent1>
+      <a:accent2>
+        <a:srgbClr val="E97132"/>
+      </a:accent2>
+      <a:accent3>
+        <a:srgbClr val="196B24"/>
+      </a:accent3>
+      <a:accent4>
+        <a:srgbClr val="0F9ED5"/>
+      </a:accent4>
+      <a:accent5>
+        <a:srgbClr val="A02B93"/>
+      </a:accent5>
+      <a:accent6>
+        <a:srgbClr val="4EA72E"/>
+      </a:accent6>
+      <a:hlink>
+        <a:srgbClr val="467886"/>
+      </a:hlink>
+      <a:folHlink>
+        <a:srgbClr val="96607D"/>
+      </a:folHlink>
+    </a:clrScheme>
+    <a:fontScheme name="Office">
+      <a:majorFont>
+        <a:latin typeface="游ゴシック Light" panose="02110004020202020204"/>
+        <a:ea typeface=""/>
+        <a:cs typeface=""/>
+        <a:font script="Jpan" typeface="游ゴシック Light"/>
+        <a:font script="Hang" typeface="맑은 고딕"/>
+        <a:font script="Hans" typeface="等线 Light"/>
+        <a:font script="Hant" typeface="新細明體"/>
+        <a:font script="Arab" typeface="Times New Roman"/>
+        <a:font script="Hebr" typeface="Times New Roman"/>
+        <a:font script="Thai" typeface="Angsana New"/>
+        <a:font script="Ethi" typeface="Nyala"/>
+        <a:font script="Beng" typeface="Vrinda"/>
+        <a:font script="Gujr" typeface="Shruti"/>
+        <a:font script="Khmr" typeface="MoolBoran"/>
+        <a:font script="Knda" typeface="Tunga"/>
+        <a:font script="Guru" typeface="Raavi"/>
+        <a:font script="Cans" typeface="Euphemia"/>
+        <a:font script="Cher" typeface="Plantagenet Cherokee"/>
+        <a:font script="Yiii" typeface="Microsoft Yi Baiti"/>
+        <a:font script="Tibt" typeface="Microsoft Himalaya"/>
+        <a:font script="Thaa" typeface="MV Boli"/>
+        <a:font script="Deva" typeface="Mangal"/>
+        <a:font script="Telu" typeface="Gautami"/>
+        <a:font script="Taml" typeface="Latha"/>
+        <a:font script="Syrc" typeface="Estrangelo Edessa"/>
+        <a:font script="Orya" typeface="Kalinga"/>
+        <a:font script="Mlym" typeface="Kartika"/>
+        <a:font script="Laoo" typeface="DokChampa"/>
+        <a:font script="Sinh" typeface="Iskoola Pota"/>
+        <a:font script="Mong" typeface="Mongolian Baiti"/>
+        <a:font script="Viet" typeface="Times New Roman"/>
+        <a:font script="Uigh" typeface="Microsoft Uighur"/>
+        <a:font script="Geor" typeface="Sylfaen"/>
+        <a:font script="Armn" typeface="Arial"/>
+        <a:font script="Bugi" typeface="Leelawadee UI"/>
+        <a:font script="Bopo" typeface="Microsoft JhengHei"/>
+        <a:font script="Java" typeface="Javanese Text"/>
+        <a:font script="Lisu" typeface="Segoe UI"/>
+        <a:font script="Mymr" typeface="Myanmar Text"/>
+        <a:font script="Nkoo" typeface="Ebrima"/>
+        <a:font script="Olck" typeface="Nirmala UI"/>
+        <a:font script="Osma" typeface="Ebrima"/>
+        <a:font script="Phag" typeface="Phagspa"/>
+        <a:font script="Syrn" typeface="Estrangelo Edessa"/>
+        <a:font script="Syrj" typeface="Estrangelo Edessa"/>
+        <a:font script="Syre" typeface="Estrangelo Edessa"/>
+        <a:font script="Sora" typeface="Nirmala UI"/>
+        <a:font script="Tale" typeface="Microsoft Tai Le"/>
+        <a:font script="Talu" typeface="Microsoft New Tai Lue"/>
+        <a:font script="Tfng" typeface="Ebrima"/>
+      </a:majorFont>
+      <a:minorFont>
+        <a:latin typeface="游ゴシック" panose="02110004020202020204"/>
+        <a:ea typeface=""/>
+        <a:cs typeface=""/>
+        <a:font script="Jpan" typeface="游ゴシック"/>
+        <a:font script="Hang" typeface="맑은 고딕"/>
+        <a:font script="Hans" typeface="等线"/>
+        <a:font script="Hant" typeface="新細明體"/>
+        <a:font script="Arab" typeface="Arial"/>
+        <a:font script="Hebr" typeface="Arial"/>
+        <a:font script="Thai" typeface="Cordia New"/>
+        <a:font script="Ethi" typeface="Nyala"/>
+        <a:font script="Beng" typeface="Vrinda"/>
+        <a:font script="Gujr" typeface="Shruti"/>
+        <a:font script="Khmr" typeface="DaunPenh"/>
+        <a:font script="Knda" typeface="Tunga"/>
+        <a:font script="Guru" typeface="Raavi"/>
+        <a:font script="Cans" typeface="Euphemia"/>
+        <a:font script="Cher" typeface="Plantagenet Cherokee"/>
+        <a:font script="Yiii" typeface="Microsoft Yi Baiti"/>
+        <a:font script="Tibt" typeface="Microsoft Himalaya"/>
+        <a:font script="Thaa" typeface="MV Boli"/>
+        <a:font script="Deva" typeface="Mangal"/>
+        <a:font script="Telu" typeface="Gautami"/>
+        <a:font script="Taml" typeface="Latha"/>
+        <a:font script="Syrc" typeface="Estrangelo Edessa"/>
+        <a:font script="Orya" typeface="Kalinga"/>
+        <a:font script="Mlym" typeface="Kartika"/>
+        <a:font script="Laoo" typeface="DokChampa"/>
+        <a:font script="Sinh" typeface="Iskoola Pota"/>
+        <a:font script="Mong" typeface="Mongolian Baiti"/>
+        <a:font script="Viet" typeface="Arial"/>
+        <a:font script="Uigh" typeface="Microsoft Uighur"/>
+        <a:font script="Geor" typeface="Sylfaen"/>
+        <a:font script="Armn" typeface="Arial"/>
+        <a:font script="Bugi" typeface="Leelawadee UI"/>
+        <a:font script="Bopo" typeface="Microsoft JhengHei"/>
+        <a:font script="Java" typeface="Javanese Text"/>
+        <a:font script="Lisu" typeface="Segoe UI"/>
+        <a:font script="Mymr" typeface="Myanmar Text"/>
+        <a:font script="Nkoo" typeface="Ebrima"/>
+        <a:font script="Olck" typeface="Nirmala UI"/>
+        <a:font script="Osma" typeface="Ebrima"/>
+        <a:font script="Phag" typeface="Phagspa"/>
+        <a:font script="Syrn" typeface="Estrangelo Edessa"/>
+        <a:font script="Syrj" typeface="Estrangelo Edessa"/>
+        <a:font script="Syre" typeface="Estrangelo Edessa"/>
+        <a:font script="Sora" typeface="Nirmala UI"/>
+        <a:font script="Tale" typeface="Microsoft Tai Le"/>
+        <a:font script="Talu" typeface="Microsoft New Tai Lue"/>
+        <a:font script="Tfng" typeface="Ebrima"/>
+      </a:minorFont>
+    </a:fontScheme>
+    <a:fmtScheme name="Office">
+      <a:fillStyleLst>
+        <a:solidFill>
+          <a:schemeClr val="phClr"/>
+        </a:solidFill>
+        <a:gradFill rotWithShape="1">
+          <a:gsLst>
+            <a:gs pos="0">
+              <a:schemeClr val="phClr">
+                <a:lumMod val="110000"/>
+                <a:satMod val="105000"/>
+                <a:tint val="67000"/>
+              </a:schemeClr>
+            </a:gs>
+            <a:gs pos="50000">
+              <a:schemeClr val="phClr">
+                <a:lumMod val="105000"/>
+                <a:satMod val="103000"/>
+                <a:tint val="73000"/>
+              </a:schemeClr>
+            </a:gs>
+            <a:gs pos="100000">
+              <a:schemeClr val="phClr">
+                <a:lumMod val="105000"/>
+                <a:satMod val="109000"/>
+                <a:tint val="81000"/>
+              </a:schemeClr>
+            </a:gs>
+          </a:gsLst>
+          <a:lin ang="5400000" scaled="0"/>
+        </a:gradFill>
+        <a:gradFill rotWithShape="1">
+          <a:gsLst>
+            <a:gs pos="0">
+              <a:schemeClr val="phClr">
+                <a:satMod val="103000"/>
+                <a:lumMod val="102000"/>
+                <a:tint val="94000"/>
+              </a:schemeClr>
+            </a:gs>
+            <a:gs pos="50000">
+              <a:schemeClr val="phClr">
+                <a:satMod val="110000"/>
+                <a:lumMod val="100000"/>
+                <a:shade val="100000"/>
+              </a:schemeClr>
+            </a:gs>
+            <a:gs pos="100000">
+              <a:schemeClr val="phClr">
+                <a:lumMod val="99000"/>
+                <a:satMod val="120000"/>
+                <a:shade val="78000"/>
+              </a:schemeClr>
+            </a:gs>
+          </a:gsLst>
+          <a:lin ang="5400000" scaled="0"/>
+        </a:gradFill>
+      </a:fillStyleLst>
+      <a:lnStyleLst>
+        <a:ln w="12700" cap="flat" cmpd="sng" algn="ctr">
+          <a:solidFill>
+            <a:schemeClr val="phClr"/>
+          </a:solidFill>
+          <a:prstDash val="solid"/>
+          <a:miter lim="800000"/>
+        </a:ln>
+        <a:ln w="19050" cap="flat" cmpd="sng" algn="ctr">
+          <a:solidFill>
+            <a:schemeClr val="phClr"/>
+          </a:solidFill>
+          <a:prstDash val="solid"/>
+          <a:miter lim="800000"/>
+        </a:ln>
+        <a:ln w="25400" cap="flat" cmpd="sng" algn="ctr">
+          <a:solidFill>
+            <a:schemeClr val="phClr"/>
+          </a:solidFill>
+          <a:prstDash val="solid"/>
+          <a:miter lim="800000"/>
+        </a:ln>
+      </a:lnStyleLst>
+      <a:effectStyleLst>
+        <a:effectStyle>
+          <a:effectLst/>
+        </a:effectStyle>
+        <a:effectStyle>
+          <a:effectLst/>
+        </a:effectStyle>
+        <a:effectStyle>
+          <a:effectLst>
+            <a:outerShdw blurRad="57150" dist="19050" dir="5400000" algn="ctr" rotWithShape="0">
+              <a:srgbClr val="000000">
+                <a:alpha val="63000"/>
+              </a:srgbClr>
+            </a:outerShdw>
+          </a:effectLst>
+        </a:effectStyle>
+      </a:effectStyleLst>
+      <a:bgFillStyleLst>
+        <a:solidFill>
+          <a:schemeClr val="phClr"/>
+        </a:solidFill>
+        <a:solidFill>
+          <a:schemeClr val="phClr">
+            <a:tint val="95000"/>
+            <a:satMod val="170000"/>
+          </a:schemeClr>
+        </a:solidFill>
+        <a:gradFill rotWithShape="1">
+          <a:gsLst>
+            <a:gs pos="0">
+              <a:schemeClr val="phClr">
+                <a:tint val="93000"/>
+                <a:satMod val="150000"/>
+                <a:shade val="98000"/>
+                <a:lumMod val="102000"/>
+              </a:schemeClr>
+            </a:gs>
+            <a:gs pos="50000">
+              <a:schemeClr val="phClr">
+                <a:tint val="98000"/>
+                <a:satMod val="130000"/>
+                <a:shade val="90000"/>
+                <a:lumMod val="103000"/>
+              </a:schemeClr>
+            </a:gs>
+            <a:gs pos="100000">
+              <a:schemeClr val="phClr">
+                <a:shade val="63000"/>
+                <a:satMod val="120000"/>
+              </a:schemeClr>
+            </a:gs>
+          </a:gsLst>
+          <a:lin ang="5400000" scaled="0"/>
+        </a:gradFill>
+      </a:bgFillStyleLst>
+    </a:fmtScheme>
+  </a:themeElements>
+  <a:objectDefaults>
+    <a:lnDef>
+      <a:spPr/>
+      <a:bodyPr/>
+      <a:lstStyle/>
+      <a:style>
+        <a:lnRef idx="2">
+          <a:schemeClr val="accent1"/>
+        </a:lnRef>
+        <a:fillRef idx="0">
+          <a:schemeClr val="accent1"/>
+        </a:fillRef>
+        <a:effectRef idx="1">
+          <a:schemeClr val="accent1"/>
+        </a:effectRef>
+        <a:fontRef idx="minor">
+          <a:schemeClr val="tx1"/>
+        </a:fontRef>
+      </a:style>
+    </a:lnDef>
+  </a:objectDefaults>
+  <a:extraClrSchemeLst/>
+  <a:extLst>
+    <a:ext uri="{05A4C25C-085E-4340-85A3-A5531E510DB2}">
+      <thm15:themeFamily xmlns:thm15="http://schemas.microsoft.com/office/thememl/2012/main" name="Office Theme" id="{2E142A2C-CD16-42D6-873A-C26D2A0506FA}" vid="{1BDDFF52-6CD6-40A5-AB3C-68EB2F1E4D0A}"/>
+    </a:ext>
+  </a:extLst>
+</a:theme>
 </file>